--- a/Slides/Course02/0200.pptx
+++ b/Slides/Course02/0200.pptx
@@ -1684,7 +1684,7 @@
                 <a:ea typeface="Microsoft YaHei" pitchFamily="34" charset="-122"/>
                 <a:cs typeface="Microsoft YaHei" pitchFamily="34" charset="-120"/>
               </a:rPr>
-              <a:t>模組二：從開發到部署的全面能力</a:t>
+              <a:t>模組0：從開發到部署的全面能力</a:t>
             </a:r>
             <a:endParaRPr lang="en-US" sz="1600" dirty="0"/>
           </a:p>
@@ -5725,7 +5725,7 @@
         </p:nvSpPr>
         <p:spPr>
           <a:xfrm>
-            <a:off x="4846320" y="1234440"/>
+            <a:off x="4863612" y="1243584"/>
             <a:ext cx="3931920" cy="2743200"/>
           </a:xfrm>
           <a:prstGeom prst="roundRect">
@@ -5857,7 +5857,7 @@
         </p:nvSpPr>
         <p:spPr>
           <a:xfrm>
-            <a:off x="5212080" y="2240280"/>
+            <a:off x="5029200" y="2231136"/>
             <a:ext cx="1234440" cy="320040"/>
           </a:xfrm>
           <a:prstGeom prst="roundRect">
@@ -5923,8 +5923,8 @@
         </p:nvSpPr>
         <p:spPr>
           <a:xfrm>
-            <a:off x="6537960" y="2240280"/>
-            <a:ext cx="1234440" cy="320040"/>
+            <a:off x="6457657" y="2242390"/>
+            <a:ext cx="983566" cy="320040"/>
           </a:xfrm>
           <a:prstGeom prst="roundRect">
             <a:avLst>
@@ -5950,8 +5950,8 @@
         </p:nvSpPr>
         <p:spPr>
           <a:xfrm>
-            <a:off x="6537960" y="2267712"/>
-            <a:ext cx="1234440" cy="274320"/>
+            <a:off x="6537960" y="2258568"/>
+            <a:ext cx="1234440" cy="283464"/>
           </a:xfrm>
           <a:prstGeom prst="rect">
             <a:avLst/>
@@ -5989,7 +5989,7 @@
         </p:nvSpPr>
         <p:spPr>
           <a:xfrm>
-            <a:off x="7863840" y="2240280"/>
+            <a:off x="7572229" y="2234653"/>
             <a:ext cx="1234440" cy="320040"/>
           </a:xfrm>
           <a:prstGeom prst="roundRect">
@@ -6016,7 +6016,7 @@
         </p:nvSpPr>
         <p:spPr>
           <a:xfrm>
-            <a:off x="7863840" y="2267712"/>
+            <a:off x="7571935" y="2244852"/>
             <a:ext cx="1234440" cy="274320"/>
           </a:xfrm>
           <a:prstGeom prst="rect">
